--- a/ppt 16-9/0798.哭过、笑过、.pptx
+++ b/ppt 16-9/0798.哭过、笑过、.pptx
@@ -129,7 +129,7 @@
           <p:cNvPr id="2" name="标题 1">
             <a:extLst>
               <a:ext uri="{FF2B5EF4-FFF2-40B4-BE49-F238E27FC236}">
-                <a16:creationId xmlns:a16="http://schemas.microsoft.com/office/drawing/2014/main" id="{17025472-5CA7-B6B1-2C43-D0A2D75983C8}"/>
+                <a16:creationId xmlns:a16="http://schemas.microsoft.com/office/drawing/2014/main" id="{A5155593-20E0-B768-4FA0-7F6AC4FEDC2A}"/>
               </a:ext>
             </a:extLst>
           </p:cNvPr>
@@ -166,7 +166,7 @@
           <p:cNvPr id="3" name="副标题 2">
             <a:extLst>
               <a:ext uri="{FF2B5EF4-FFF2-40B4-BE49-F238E27FC236}">
-                <a16:creationId xmlns:a16="http://schemas.microsoft.com/office/drawing/2014/main" id="{E7CE4652-638E-F896-0A71-B2C1E76B3543}"/>
+                <a16:creationId xmlns:a16="http://schemas.microsoft.com/office/drawing/2014/main" id="{030DAC39-6AC1-F127-DEDA-8DE3EE5E11D7}"/>
               </a:ext>
             </a:extLst>
           </p:cNvPr>
@@ -236,7 +236,7 @@
           <p:cNvPr id="4" name="日期占位符 3">
             <a:extLst>
               <a:ext uri="{FF2B5EF4-FFF2-40B4-BE49-F238E27FC236}">
-                <a16:creationId xmlns:a16="http://schemas.microsoft.com/office/drawing/2014/main" id="{95F9809C-B474-F239-F5E1-A46ED47C4966}"/>
+                <a16:creationId xmlns:a16="http://schemas.microsoft.com/office/drawing/2014/main" id="{D6EB225F-8494-ACE4-6E9D-4248D288AB52}"/>
               </a:ext>
             </a:extLst>
           </p:cNvPr>
@@ -252,7 +252,7 @@
           <a:bodyPr/>
           <a:lstStyle/>
           <a:p>
-            <a:fld id="{DB52AB54-934D-4DDE-95E3-D3D8753B8EE0}" type="datetimeFigureOut">
+            <a:fld id="{1DCFCCAD-D953-4302-9E66-BC503AD3A859}" type="datetimeFigureOut">
               <a:rPr lang="zh-CN" altLang="en-US" smtClean="0"/>
               <a:t>2024/3/10</a:t>
             </a:fld>
@@ -265,7 +265,7 @@
           <p:cNvPr id="5" name="页脚占位符 4">
             <a:extLst>
               <a:ext uri="{FF2B5EF4-FFF2-40B4-BE49-F238E27FC236}">
-                <a16:creationId xmlns:a16="http://schemas.microsoft.com/office/drawing/2014/main" id="{09F020E6-94D5-CD93-BA29-0F4DAC7A7F79}"/>
+                <a16:creationId xmlns:a16="http://schemas.microsoft.com/office/drawing/2014/main" id="{68C5FF13-73B4-28A2-4BFC-6C1CBCBCA9D4}"/>
               </a:ext>
             </a:extLst>
           </p:cNvPr>
@@ -290,7 +290,7 @@
           <p:cNvPr id="6" name="灯片编号占位符 5">
             <a:extLst>
               <a:ext uri="{FF2B5EF4-FFF2-40B4-BE49-F238E27FC236}">
-                <a16:creationId xmlns:a16="http://schemas.microsoft.com/office/drawing/2014/main" id="{DA54B314-33EB-B0D8-903A-297339A435B1}"/>
+                <a16:creationId xmlns:a16="http://schemas.microsoft.com/office/drawing/2014/main" id="{6059075B-2C71-F785-451F-7E0E374CD227}"/>
               </a:ext>
             </a:extLst>
           </p:cNvPr>
@@ -306,7 +306,7 @@
           <a:bodyPr/>
           <a:lstStyle/>
           <a:p>
-            <a:fld id="{8FAF0E72-1CB2-4B9D-B1CA-EB7B9B072FF0}" type="slidenum">
+            <a:fld id="{ADA29E3F-3476-4AB9-8649-89654AFF351A}" type="slidenum">
               <a:rPr lang="zh-CN" altLang="en-US" smtClean="0"/>
               <a:t>‹#›</a:t>
             </a:fld>
@@ -317,7 +317,7 @@
     </p:spTree>
     <p:extLst>
       <p:ext uri="{BB962C8B-B14F-4D97-AF65-F5344CB8AC3E}">
-        <p14:creationId xmlns:p14="http://schemas.microsoft.com/office/powerpoint/2010/main" val="3346456175"/>
+        <p14:creationId xmlns:p14="http://schemas.microsoft.com/office/powerpoint/2010/main" val="2375314335"/>
       </p:ext>
     </p:extLst>
   </p:cSld>
@@ -349,7 +349,7 @@
           <p:cNvPr id="2" name="标题 1">
             <a:extLst>
               <a:ext uri="{FF2B5EF4-FFF2-40B4-BE49-F238E27FC236}">
-                <a16:creationId xmlns:a16="http://schemas.microsoft.com/office/drawing/2014/main" id="{F2E113AC-6C90-49FB-0F0C-F7A8DAE71876}"/>
+                <a16:creationId xmlns:a16="http://schemas.microsoft.com/office/drawing/2014/main" id="{BCDA49C2-9F34-C9DB-F5AB-61B8D688DAFF}"/>
               </a:ext>
             </a:extLst>
           </p:cNvPr>
@@ -377,7 +377,7 @@
           <p:cNvPr id="3" name="竖排文字占位符 2">
             <a:extLst>
               <a:ext uri="{FF2B5EF4-FFF2-40B4-BE49-F238E27FC236}">
-                <a16:creationId xmlns:a16="http://schemas.microsoft.com/office/drawing/2014/main" id="{3CE93D53-E68C-2121-7DCF-F3F18599CC60}"/>
+                <a16:creationId xmlns:a16="http://schemas.microsoft.com/office/drawing/2014/main" id="{CB9EF119-7190-4956-0222-AE2227991833}"/>
               </a:ext>
             </a:extLst>
           </p:cNvPr>
@@ -434,7 +434,7 @@
           <p:cNvPr id="4" name="日期占位符 3">
             <a:extLst>
               <a:ext uri="{FF2B5EF4-FFF2-40B4-BE49-F238E27FC236}">
-                <a16:creationId xmlns:a16="http://schemas.microsoft.com/office/drawing/2014/main" id="{1C279554-371A-0356-864A-8A282F571E72}"/>
+                <a16:creationId xmlns:a16="http://schemas.microsoft.com/office/drawing/2014/main" id="{B788C982-5318-6B9E-B27F-1C5DCCEBB416}"/>
               </a:ext>
             </a:extLst>
           </p:cNvPr>
@@ -450,7 +450,7 @@
           <a:bodyPr/>
           <a:lstStyle/>
           <a:p>
-            <a:fld id="{DB52AB54-934D-4DDE-95E3-D3D8753B8EE0}" type="datetimeFigureOut">
+            <a:fld id="{1DCFCCAD-D953-4302-9E66-BC503AD3A859}" type="datetimeFigureOut">
               <a:rPr lang="zh-CN" altLang="en-US" smtClean="0"/>
               <a:t>2024/3/10</a:t>
             </a:fld>
@@ -463,7 +463,7 @@
           <p:cNvPr id="5" name="页脚占位符 4">
             <a:extLst>
               <a:ext uri="{FF2B5EF4-FFF2-40B4-BE49-F238E27FC236}">
-                <a16:creationId xmlns:a16="http://schemas.microsoft.com/office/drawing/2014/main" id="{F0F164EA-FB6D-FCD7-73ED-70C11293ACE6}"/>
+                <a16:creationId xmlns:a16="http://schemas.microsoft.com/office/drawing/2014/main" id="{526B587A-59AD-1FCC-D75A-735A622F9F65}"/>
               </a:ext>
             </a:extLst>
           </p:cNvPr>
@@ -488,7 +488,7 @@
           <p:cNvPr id="6" name="灯片编号占位符 5">
             <a:extLst>
               <a:ext uri="{FF2B5EF4-FFF2-40B4-BE49-F238E27FC236}">
-                <a16:creationId xmlns:a16="http://schemas.microsoft.com/office/drawing/2014/main" id="{188D540B-A672-0A9E-61E0-EE3AFAAE759E}"/>
+                <a16:creationId xmlns:a16="http://schemas.microsoft.com/office/drawing/2014/main" id="{1BC84CD2-9DB2-AC4F-66C1-2A925F2BE198}"/>
               </a:ext>
             </a:extLst>
           </p:cNvPr>
@@ -504,7 +504,7 @@
           <a:bodyPr/>
           <a:lstStyle/>
           <a:p>
-            <a:fld id="{8FAF0E72-1CB2-4B9D-B1CA-EB7B9B072FF0}" type="slidenum">
+            <a:fld id="{ADA29E3F-3476-4AB9-8649-89654AFF351A}" type="slidenum">
               <a:rPr lang="zh-CN" altLang="en-US" smtClean="0"/>
               <a:t>‹#›</a:t>
             </a:fld>
@@ -515,7 +515,7 @@
     </p:spTree>
     <p:extLst>
       <p:ext uri="{BB962C8B-B14F-4D97-AF65-F5344CB8AC3E}">
-        <p14:creationId xmlns:p14="http://schemas.microsoft.com/office/powerpoint/2010/main" val="1063305633"/>
+        <p14:creationId xmlns:p14="http://schemas.microsoft.com/office/powerpoint/2010/main" val="1643377731"/>
       </p:ext>
     </p:extLst>
   </p:cSld>
@@ -547,7 +547,7 @@
           <p:cNvPr id="2" name="竖排标题 1">
             <a:extLst>
               <a:ext uri="{FF2B5EF4-FFF2-40B4-BE49-F238E27FC236}">
-                <a16:creationId xmlns:a16="http://schemas.microsoft.com/office/drawing/2014/main" id="{D6B018DE-F623-003C-F1FE-FF3C5ACB62B8}"/>
+                <a16:creationId xmlns:a16="http://schemas.microsoft.com/office/drawing/2014/main" id="{FA5566B5-BDCD-A970-B92B-F5E8FE5405C6}"/>
               </a:ext>
             </a:extLst>
           </p:cNvPr>
@@ -580,7 +580,7 @@
           <p:cNvPr id="3" name="竖排文字占位符 2">
             <a:extLst>
               <a:ext uri="{FF2B5EF4-FFF2-40B4-BE49-F238E27FC236}">
-                <a16:creationId xmlns:a16="http://schemas.microsoft.com/office/drawing/2014/main" id="{9A8D63CF-4BFE-83ED-3B3C-BD4D7A6E1F35}"/>
+                <a16:creationId xmlns:a16="http://schemas.microsoft.com/office/drawing/2014/main" id="{1269F36E-A98A-36CE-C3A7-ED69600155BD}"/>
               </a:ext>
             </a:extLst>
           </p:cNvPr>
@@ -642,7 +642,7 @@
           <p:cNvPr id="4" name="日期占位符 3">
             <a:extLst>
               <a:ext uri="{FF2B5EF4-FFF2-40B4-BE49-F238E27FC236}">
-                <a16:creationId xmlns:a16="http://schemas.microsoft.com/office/drawing/2014/main" id="{A0BFCB1F-D06E-0560-81A4-2D3991EB651E}"/>
+                <a16:creationId xmlns:a16="http://schemas.microsoft.com/office/drawing/2014/main" id="{43A76FDD-6899-5B82-D130-4A4355366F2F}"/>
               </a:ext>
             </a:extLst>
           </p:cNvPr>
@@ -658,7 +658,7 @@
           <a:bodyPr/>
           <a:lstStyle/>
           <a:p>
-            <a:fld id="{DB52AB54-934D-4DDE-95E3-D3D8753B8EE0}" type="datetimeFigureOut">
+            <a:fld id="{1DCFCCAD-D953-4302-9E66-BC503AD3A859}" type="datetimeFigureOut">
               <a:rPr lang="zh-CN" altLang="en-US" smtClean="0"/>
               <a:t>2024/3/10</a:t>
             </a:fld>
@@ -671,7 +671,7 @@
           <p:cNvPr id="5" name="页脚占位符 4">
             <a:extLst>
               <a:ext uri="{FF2B5EF4-FFF2-40B4-BE49-F238E27FC236}">
-                <a16:creationId xmlns:a16="http://schemas.microsoft.com/office/drawing/2014/main" id="{126676CB-F8DB-DBD0-73BF-48E58E2180AB}"/>
+                <a16:creationId xmlns:a16="http://schemas.microsoft.com/office/drawing/2014/main" id="{58CBDF9B-3DCA-9082-A359-65FC9F11D9EA}"/>
               </a:ext>
             </a:extLst>
           </p:cNvPr>
@@ -696,7 +696,7 @@
           <p:cNvPr id="6" name="灯片编号占位符 5">
             <a:extLst>
               <a:ext uri="{FF2B5EF4-FFF2-40B4-BE49-F238E27FC236}">
-                <a16:creationId xmlns:a16="http://schemas.microsoft.com/office/drawing/2014/main" id="{61D48BB6-261E-DEB9-CF7B-289B906D2A8E}"/>
+                <a16:creationId xmlns:a16="http://schemas.microsoft.com/office/drawing/2014/main" id="{83BCA865-1A6D-F4BE-53CD-F441D508296B}"/>
               </a:ext>
             </a:extLst>
           </p:cNvPr>
@@ -712,7 +712,7 @@
           <a:bodyPr/>
           <a:lstStyle/>
           <a:p>
-            <a:fld id="{8FAF0E72-1CB2-4B9D-B1CA-EB7B9B072FF0}" type="slidenum">
+            <a:fld id="{ADA29E3F-3476-4AB9-8649-89654AFF351A}" type="slidenum">
               <a:rPr lang="zh-CN" altLang="en-US" smtClean="0"/>
               <a:t>‹#›</a:t>
             </a:fld>
@@ -723,7 +723,7 @@
     </p:spTree>
     <p:extLst>
       <p:ext uri="{BB962C8B-B14F-4D97-AF65-F5344CB8AC3E}">
-        <p14:creationId xmlns:p14="http://schemas.microsoft.com/office/powerpoint/2010/main" val="2438482864"/>
+        <p14:creationId xmlns:p14="http://schemas.microsoft.com/office/powerpoint/2010/main" val="2980321202"/>
       </p:ext>
     </p:extLst>
   </p:cSld>
@@ -755,7 +755,7 @@
           <p:cNvPr id="2" name="标题 1">
             <a:extLst>
               <a:ext uri="{FF2B5EF4-FFF2-40B4-BE49-F238E27FC236}">
-                <a16:creationId xmlns:a16="http://schemas.microsoft.com/office/drawing/2014/main" id="{F2B52E9F-8C49-3AE8-7588-ECA75903E6B6}"/>
+                <a16:creationId xmlns:a16="http://schemas.microsoft.com/office/drawing/2014/main" id="{2F7587E7-6A3B-7B91-7146-1006DF46A77E}"/>
               </a:ext>
             </a:extLst>
           </p:cNvPr>
@@ -783,7 +783,7 @@
           <p:cNvPr id="3" name="内容占位符 2">
             <a:extLst>
               <a:ext uri="{FF2B5EF4-FFF2-40B4-BE49-F238E27FC236}">
-                <a16:creationId xmlns:a16="http://schemas.microsoft.com/office/drawing/2014/main" id="{C2AE39B4-0A7A-501A-E173-8A37A6D166FB}"/>
+                <a16:creationId xmlns:a16="http://schemas.microsoft.com/office/drawing/2014/main" id="{C8EA19F2-AD92-35A3-F599-E68BFC432899}"/>
               </a:ext>
             </a:extLst>
           </p:cNvPr>
@@ -840,7 +840,7 @@
           <p:cNvPr id="4" name="日期占位符 3">
             <a:extLst>
               <a:ext uri="{FF2B5EF4-FFF2-40B4-BE49-F238E27FC236}">
-                <a16:creationId xmlns:a16="http://schemas.microsoft.com/office/drawing/2014/main" id="{00A7D4CF-777D-9028-C810-928B79E13E65}"/>
+                <a16:creationId xmlns:a16="http://schemas.microsoft.com/office/drawing/2014/main" id="{38E0658C-D330-6202-8851-B923BB00DC07}"/>
               </a:ext>
             </a:extLst>
           </p:cNvPr>
@@ -856,7 +856,7 @@
           <a:bodyPr/>
           <a:lstStyle/>
           <a:p>
-            <a:fld id="{DB52AB54-934D-4DDE-95E3-D3D8753B8EE0}" type="datetimeFigureOut">
+            <a:fld id="{1DCFCCAD-D953-4302-9E66-BC503AD3A859}" type="datetimeFigureOut">
               <a:rPr lang="zh-CN" altLang="en-US" smtClean="0"/>
               <a:t>2024/3/10</a:t>
             </a:fld>
@@ -869,7 +869,7 @@
           <p:cNvPr id="5" name="页脚占位符 4">
             <a:extLst>
               <a:ext uri="{FF2B5EF4-FFF2-40B4-BE49-F238E27FC236}">
-                <a16:creationId xmlns:a16="http://schemas.microsoft.com/office/drawing/2014/main" id="{75D273E6-D7F7-612B-3FC1-D5206A45195B}"/>
+                <a16:creationId xmlns:a16="http://schemas.microsoft.com/office/drawing/2014/main" id="{4224E719-BD5B-26E9-96D2-037E5679966F}"/>
               </a:ext>
             </a:extLst>
           </p:cNvPr>
@@ -894,7 +894,7 @@
           <p:cNvPr id="6" name="灯片编号占位符 5">
             <a:extLst>
               <a:ext uri="{FF2B5EF4-FFF2-40B4-BE49-F238E27FC236}">
-                <a16:creationId xmlns:a16="http://schemas.microsoft.com/office/drawing/2014/main" id="{7EC4E25C-84B9-75EE-4F74-77D2D1FE3FDF}"/>
+                <a16:creationId xmlns:a16="http://schemas.microsoft.com/office/drawing/2014/main" id="{1E549AD1-27ED-7FBA-7AC7-2C59C83D711B}"/>
               </a:ext>
             </a:extLst>
           </p:cNvPr>
@@ -910,7 +910,7 @@
           <a:bodyPr/>
           <a:lstStyle/>
           <a:p>
-            <a:fld id="{8FAF0E72-1CB2-4B9D-B1CA-EB7B9B072FF0}" type="slidenum">
+            <a:fld id="{ADA29E3F-3476-4AB9-8649-89654AFF351A}" type="slidenum">
               <a:rPr lang="zh-CN" altLang="en-US" smtClean="0"/>
               <a:t>‹#›</a:t>
             </a:fld>
@@ -921,7 +921,7 @@
     </p:spTree>
     <p:extLst>
       <p:ext uri="{BB962C8B-B14F-4D97-AF65-F5344CB8AC3E}">
-        <p14:creationId xmlns:p14="http://schemas.microsoft.com/office/powerpoint/2010/main" val="830700500"/>
+        <p14:creationId xmlns:p14="http://schemas.microsoft.com/office/powerpoint/2010/main" val="2746017342"/>
       </p:ext>
     </p:extLst>
   </p:cSld>
@@ -953,7 +953,7 @@
           <p:cNvPr id="2" name="标题 1">
             <a:extLst>
               <a:ext uri="{FF2B5EF4-FFF2-40B4-BE49-F238E27FC236}">
-                <a16:creationId xmlns:a16="http://schemas.microsoft.com/office/drawing/2014/main" id="{CAD98F58-8F1B-5744-12CC-477E7E63B244}"/>
+                <a16:creationId xmlns:a16="http://schemas.microsoft.com/office/drawing/2014/main" id="{BC25C9F9-CF0C-2377-3506-655B8AE8ECA4}"/>
               </a:ext>
             </a:extLst>
           </p:cNvPr>
@@ -990,7 +990,7 @@
           <p:cNvPr id="3" name="文本占位符 2">
             <a:extLst>
               <a:ext uri="{FF2B5EF4-FFF2-40B4-BE49-F238E27FC236}">
-                <a16:creationId xmlns:a16="http://schemas.microsoft.com/office/drawing/2014/main" id="{4AEBBF50-A0BE-B5FB-F15C-DBD8A02FF836}"/>
+                <a16:creationId xmlns:a16="http://schemas.microsoft.com/office/drawing/2014/main" id="{F50F6CEE-5111-D6A8-7AAF-987E7CD8AEA3}"/>
               </a:ext>
             </a:extLst>
           </p:cNvPr>
@@ -1115,7 +1115,7 @@
           <p:cNvPr id="4" name="日期占位符 3">
             <a:extLst>
               <a:ext uri="{FF2B5EF4-FFF2-40B4-BE49-F238E27FC236}">
-                <a16:creationId xmlns:a16="http://schemas.microsoft.com/office/drawing/2014/main" id="{F0D40D58-DEE3-F01F-7136-1D7AAB01B93F}"/>
+                <a16:creationId xmlns:a16="http://schemas.microsoft.com/office/drawing/2014/main" id="{8E33926C-13AA-5D82-2723-D2375B2757F4}"/>
               </a:ext>
             </a:extLst>
           </p:cNvPr>
@@ -1131,7 +1131,7 @@
           <a:bodyPr/>
           <a:lstStyle/>
           <a:p>
-            <a:fld id="{DB52AB54-934D-4DDE-95E3-D3D8753B8EE0}" type="datetimeFigureOut">
+            <a:fld id="{1DCFCCAD-D953-4302-9E66-BC503AD3A859}" type="datetimeFigureOut">
               <a:rPr lang="zh-CN" altLang="en-US" smtClean="0"/>
               <a:t>2024/3/10</a:t>
             </a:fld>
@@ -1144,7 +1144,7 @@
           <p:cNvPr id="5" name="页脚占位符 4">
             <a:extLst>
               <a:ext uri="{FF2B5EF4-FFF2-40B4-BE49-F238E27FC236}">
-                <a16:creationId xmlns:a16="http://schemas.microsoft.com/office/drawing/2014/main" id="{82CF3616-54F8-2CEC-5C4C-EF8FD77674F5}"/>
+                <a16:creationId xmlns:a16="http://schemas.microsoft.com/office/drawing/2014/main" id="{834652AA-29FE-27FD-489A-F51FC7725259}"/>
               </a:ext>
             </a:extLst>
           </p:cNvPr>
@@ -1169,7 +1169,7 @@
           <p:cNvPr id="6" name="灯片编号占位符 5">
             <a:extLst>
               <a:ext uri="{FF2B5EF4-FFF2-40B4-BE49-F238E27FC236}">
-                <a16:creationId xmlns:a16="http://schemas.microsoft.com/office/drawing/2014/main" id="{E40A7F65-5ABB-1902-79D3-A64415DB5157}"/>
+                <a16:creationId xmlns:a16="http://schemas.microsoft.com/office/drawing/2014/main" id="{D5445B87-7C67-AD49-7A47-F76D24EE6EC1}"/>
               </a:ext>
             </a:extLst>
           </p:cNvPr>
@@ -1185,7 +1185,7 @@
           <a:bodyPr/>
           <a:lstStyle/>
           <a:p>
-            <a:fld id="{8FAF0E72-1CB2-4B9D-B1CA-EB7B9B072FF0}" type="slidenum">
+            <a:fld id="{ADA29E3F-3476-4AB9-8649-89654AFF351A}" type="slidenum">
               <a:rPr lang="zh-CN" altLang="en-US" smtClean="0"/>
               <a:t>‹#›</a:t>
             </a:fld>
@@ -1196,7 +1196,7 @@
     </p:spTree>
     <p:extLst>
       <p:ext uri="{BB962C8B-B14F-4D97-AF65-F5344CB8AC3E}">
-        <p14:creationId xmlns:p14="http://schemas.microsoft.com/office/powerpoint/2010/main" val="2237495798"/>
+        <p14:creationId xmlns:p14="http://schemas.microsoft.com/office/powerpoint/2010/main" val="767612339"/>
       </p:ext>
     </p:extLst>
   </p:cSld>
@@ -1228,7 +1228,7 @@
           <p:cNvPr id="2" name="标题 1">
             <a:extLst>
               <a:ext uri="{FF2B5EF4-FFF2-40B4-BE49-F238E27FC236}">
-                <a16:creationId xmlns:a16="http://schemas.microsoft.com/office/drawing/2014/main" id="{F698C31E-1634-AF5A-2DB8-D37B563803BF}"/>
+                <a16:creationId xmlns:a16="http://schemas.microsoft.com/office/drawing/2014/main" id="{C88611E1-1AB0-7F62-42D2-AB82043870AF}"/>
               </a:ext>
             </a:extLst>
           </p:cNvPr>
@@ -1256,7 +1256,7 @@
           <p:cNvPr id="3" name="内容占位符 2">
             <a:extLst>
               <a:ext uri="{FF2B5EF4-FFF2-40B4-BE49-F238E27FC236}">
-                <a16:creationId xmlns:a16="http://schemas.microsoft.com/office/drawing/2014/main" id="{7DA328D5-FFA7-9411-DC1C-8D505C3CB625}"/>
+                <a16:creationId xmlns:a16="http://schemas.microsoft.com/office/drawing/2014/main" id="{FEFCA78A-F3A8-3D33-902B-161B545368C0}"/>
               </a:ext>
             </a:extLst>
           </p:cNvPr>
@@ -1318,7 +1318,7 @@
           <p:cNvPr id="4" name="内容占位符 3">
             <a:extLst>
               <a:ext uri="{FF2B5EF4-FFF2-40B4-BE49-F238E27FC236}">
-                <a16:creationId xmlns:a16="http://schemas.microsoft.com/office/drawing/2014/main" id="{7BF0AAD6-397C-86F9-F7EA-8F4B2A885838}"/>
+                <a16:creationId xmlns:a16="http://schemas.microsoft.com/office/drawing/2014/main" id="{B578DE9E-856B-9EBA-AEEB-52D58E2B6856}"/>
               </a:ext>
             </a:extLst>
           </p:cNvPr>
@@ -1380,7 +1380,7 @@
           <p:cNvPr id="5" name="日期占位符 4">
             <a:extLst>
               <a:ext uri="{FF2B5EF4-FFF2-40B4-BE49-F238E27FC236}">
-                <a16:creationId xmlns:a16="http://schemas.microsoft.com/office/drawing/2014/main" id="{ACF403C1-D17F-DE0F-54E7-79130867F265}"/>
+                <a16:creationId xmlns:a16="http://schemas.microsoft.com/office/drawing/2014/main" id="{9A0434D3-C17D-DFCD-997B-9FDAA7889C75}"/>
               </a:ext>
             </a:extLst>
           </p:cNvPr>
@@ -1396,7 +1396,7 @@
           <a:bodyPr/>
           <a:lstStyle/>
           <a:p>
-            <a:fld id="{DB52AB54-934D-4DDE-95E3-D3D8753B8EE0}" type="datetimeFigureOut">
+            <a:fld id="{1DCFCCAD-D953-4302-9E66-BC503AD3A859}" type="datetimeFigureOut">
               <a:rPr lang="zh-CN" altLang="en-US" smtClean="0"/>
               <a:t>2024/3/10</a:t>
             </a:fld>
@@ -1409,7 +1409,7 @@
           <p:cNvPr id="6" name="页脚占位符 5">
             <a:extLst>
               <a:ext uri="{FF2B5EF4-FFF2-40B4-BE49-F238E27FC236}">
-                <a16:creationId xmlns:a16="http://schemas.microsoft.com/office/drawing/2014/main" id="{2EB414EA-590B-0508-9806-7A06492E574F}"/>
+                <a16:creationId xmlns:a16="http://schemas.microsoft.com/office/drawing/2014/main" id="{F2220D41-E77D-64B1-1914-BEC6F47DFE08}"/>
               </a:ext>
             </a:extLst>
           </p:cNvPr>
@@ -1434,7 +1434,7 @@
           <p:cNvPr id="7" name="灯片编号占位符 6">
             <a:extLst>
               <a:ext uri="{FF2B5EF4-FFF2-40B4-BE49-F238E27FC236}">
-                <a16:creationId xmlns:a16="http://schemas.microsoft.com/office/drawing/2014/main" id="{1BB6CC0A-08A1-1427-F643-FB48F682E5C7}"/>
+                <a16:creationId xmlns:a16="http://schemas.microsoft.com/office/drawing/2014/main" id="{FE69ED07-183F-0BDF-BC35-750193B864C4}"/>
               </a:ext>
             </a:extLst>
           </p:cNvPr>
@@ -1450,7 +1450,7 @@
           <a:bodyPr/>
           <a:lstStyle/>
           <a:p>
-            <a:fld id="{8FAF0E72-1CB2-4B9D-B1CA-EB7B9B072FF0}" type="slidenum">
+            <a:fld id="{ADA29E3F-3476-4AB9-8649-89654AFF351A}" type="slidenum">
               <a:rPr lang="zh-CN" altLang="en-US" smtClean="0"/>
               <a:t>‹#›</a:t>
             </a:fld>
@@ -1461,7 +1461,7 @@
     </p:spTree>
     <p:extLst>
       <p:ext uri="{BB962C8B-B14F-4D97-AF65-F5344CB8AC3E}">
-        <p14:creationId xmlns:p14="http://schemas.microsoft.com/office/powerpoint/2010/main" val="2536977852"/>
+        <p14:creationId xmlns:p14="http://schemas.microsoft.com/office/powerpoint/2010/main" val="1505717202"/>
       </p:ext>
     </p:extLst>
   </p:cSld>
@@ -1493,7 +1493,7 @@
           <p:cNvPr id="2" name="标题 1">
             <a:extLst>
               <a:ext uri="{FF2B5EF4-FFF2-40B4-BE49-F238E27FC236}">
-                <a16:creationId xmlns:a16="http://schemas.microsoft.com/office/drawing/2014/main" id="{DB302E68-7A7F-E2E6-FBF5-C4FD29E52EC6}"/>
+                <a16:creationId xmlns:a16="http://schemas.microsoft.com/office/drawing/2014/main" id="{40BBD4FA-F95E-C64B-CE3B-AAD2BADA878A}"/>
               </a:ext>
             </a:extLst>
           </p:cNvPr>
@@ -1526,7 +1526,7 @@
           <p:cNvPr id="3" name="文本占位符 2">
             <a:extLst>
               <a:ext uri="{FF2B5EF4-FFF2-40B4-BE49-F238E27FC236}">
-                <a16:creationId xmlns:a16="http://schemas.microsoft.com/office/drawing/2014/main" id="{6B456ED5-7551-13C3-4FAB-1AAE5E82C4C0}"/>
+                <a16:creationId xmlns:a16="http://schemas.microsoft.com/office/drawing/2014/main" id="{FDB55886-91F3-2D2E-6A9A-A952D7115FDF}"/>
               </a:ext>
             </a:extLst>
           </p:cNvPr>
@@ -1597,7 +1597,7 @@
           <p:cNvPr id="4" name="内容占位符 3">
             <a:extLst>
               <a:ext uri="{FF2B5EF4-FFF2-40B4-BE49-F238E27FC236}">
-                <a16:creationId xmlns:a16="http://schemas.microsoft.com/office/drawing/2014/main" id="{98FBE431-73CD-8B40-D7C5-1FF183A4BF7A}"/>
+                <a16:creationId xmlns:a16="http://schemas.microsoft.com/office/drawing/2014/main" id="{48E0F4AC-EB75-251F-EA4A-51DB1A7DE56B}"/>
               </a:ext>
             </a:extLst>
           </p:cNvPr>
@@ -1659,7 +1659,7 @@
           <p:cNvPr id="5" name="文本占位符 4">
             <a:extLst>
               <a:ext uri="{FF2B5EF4-FFF2-40B4-BE49-F238E27FC236}">
-                <a16:creationId xmlns:a16="http://schemas.microsoft.com/office/drawing/2014/main" id="{BD753EE9-F6D8-E1D8-3EE3-B992DFFB008E}"/>
+                <a16:creationId xmlns:a16="http://schemas.microsoft.com/office/drawing/2014/main" id="{CC968EF5-ADE4-3B30-7A19-FE1F91EFA66A}"/>
               </a:ext>
             </a:extLst>
           </p:cNvPr>
@@ -1730,7 +1730,7 @@
           <p:cNvPr id="6" name="内容占位符 5">
             <a:extLst>
               <a:ext uri="{FF2B5EF4-FFF2-40B4-BE49-F238E27FC236}">
-                <a16:creationId xmlns:a16="http://schemas.microsoft.com/office/drawing/2014/main" id="{9CEDD1A6-943D-EF11-A271-8A32C7A19A6A}"/>
+                <a16:creationId xmlns:a16="http://schemas.microsoft.com/office/drawing/2014/main" id="{BA814CBA-644C-5F94-99C4-D875B0BAE925}"/>
               </a:ext>
             </a:extLst>
           </p:cNvPr>
@@ -1792,7 +1792,7 @@
           <p:cNvPr id="7" name="日期占位符 6">
             <a:extLst>
               <a:ext uri="{FF2B5EF4-FFF2-40B4-BE49-F238E27FC236}">
-                <a16:creationId xmlns:a16="http://schemas.microsoft.com/office/drawing/2014/main" id="{26E7FFF2-921A-7A20-F099-1B22B1FA5EA6}"/>
+                <a16:creationId xmlns:a16="http://schemas.microsoft.com/office/drawing/2014/main" id="{4E5FB2DA-24DD-05BC-FCAF-DA5B9E891450}"/>
               </a:ext>
             </a:extLst>
           </p:cNvPr>
@@ -1808,7 +1808,7 @@
           <a:bodyPr/>
           <a:lstStyle/>
           <a:p>
-            <a:fld id="{DB52AB54-934D-4DDE-95E3-D3D8753B8EE0}" type="datetimeFigureOut">
+            <a:fld id="{1DCFCCAD-D953-4302-9E66-BC503AD3A859}" type="datetimeFigureOut">
               <a:rPr lang="zh-CN" altLang="en-US" smtClean="0"/>
               <a:t>2024/3/10</a:t>
             </a:fld>
@@ -1821,7 +1821,7 @@
           <p:cNvPr id="8" name="页脚占位符 7">
             <a:extLst>
               <a:ext uri="{FF2B5EF4-FFF2-40B4-BE49-F238E27FC236}">
-                <a16:creationId xmlns:a16="http://schemas.microsoft.com/office/drawing/2014/main" id="{83F8BB38-7689-4AC6-690C-3F84BA3D65BE}"/>
+                <a16:creationId xmlns:a16="http://schemas.microsoft.com/office/drawing/2014/main" id="{B78E05FE-95A3-160F-E1D6-8CC3F2935169}"/>
               </a:ext>
             </a:extLst>
           </p:cNvPr>
@@ -1846,7 +1846,7 @@
           <p:cNvPr id="9" name="灯片编号占位符 8">
             <a:extLst>
               <a:ext uri="{FF2B5EF4-FFF2-40B4-BE49-F238E27FC236}">
-                <a16:creationId xmlns:a16="http://schemas.microsoft.com/office/drawing/2014/main" id="{DA0974E8-A55C-A20D-207C-0BC087E8EE3C}"/>
+                <a16:creationId xmlns:a16="http://schemas.microsoft.com/office/drawing/2014/main" id="{557C48FE-89C1-A460-29A4-CFA843C652BA}"/>
               </a:ext>
             </a:extLst>
           </p:cNvPr>
@@ -1862,7 +1862,7 @@
           <a:bodyPr/>
           <a:lstStyle/>
           <a:p>
-            <a:fld id="{8FAF0E72-1CB2-4B9D-B1CA-EB7B9B072FF0}" type="slidenum">
+            <a:fld id="{ADA29E3F-3476-4AB9-8649-89654AFF351A}" type="slidenum">
               <a:rPr lang="zh-CN" altLang="en-US" smtClean="0"/>
               <a:t>‹#›</a:t>
             </a:fld>
@@ -1873,7 +1873,7 @@
     </p:spTree>
     <p:extLst>
       <p:ext uri="{BB962C8B-B14F-4D97-AF65-F5344CB8AC3E}">
-        <p14:creationId xmlns:p14="http://schemas.microsoft.com/office/powerpoint/2010/main" val="1509365233"/>
+        <p14:creationId xmlns:p14="http://schemas.microsoft.com/office/powerpoint/2010/main" val="2364884659"/>
       </p:ext>
     </p:extLst>
   </p:cSld>
@@ -1905,7 +1905,7 @@
           <p:cNvPr id="2" name="标题 1">
             <a:extLst>
               <a:ext uri="{FF2B5EF4-FFF2-40B4-BE49-F238E27FC236}">
-                <a16:creationId xmlns:a16="http://schemas.microsoft.com/office/drawing/2014/main" id="{3D406DAA-4913-AC6D-34EE-D75305135A8C}"/>
+                <a16:creationId xmlns:a16="http://schemas.microsoft.com/office/drawing/2014/main" id="{059C054C-4F44-2FF4-6712-1BF89E43646E}"/>
               </a:ext>
             </a:extLst>
           </p:cNvPr>
@@ -1933,7 +1933,7 @@
           <p:cNvPr id="3" name="日期占位符 2">
             <a:extLst>
               <a:ext uri="{FF2B5EF4-FFF2-40B4-BE49-F238E27FC236}">
-                <a16:creationId xmlns:a16="http://schemas.microsoft.com/office/drawing/2014/main" id="{C5ECD94A-C781-4889-4E40-779C8DE89C8E}"/>
+                <a16:creationId xmlns:a16="http://schemas.microsoft.com/office/drawing/2014/main" id="{363C08FB-7344-EB49-AD4E-BACB5D0753D5}"/>
               </a:ext>
             </a:extLst>
           </p:cNvPr>
@@ -1949,7 +1949,7 @@
           <a:bodyPr/>
           <a:lstStyle/>
           <a:p>
-            <a:fld id="{DB52AB54-934D-4DDE-95E3-D3D8753B8EE0}" type="datetimeFigureOut">
+            <a:fld id="{1DCFCCAD-D953-4302-9E66-BC503AD3A859}" type="datetimeFigureOut">
               <a:rPr lang="zh-CN" altLang="en-US" smtClean="0"/>
               <a:t>2024/3/10</a:t>
             </a:fld>
@@ -1962,7 +1962,7 @@
           <p:cNvPr id="4" name="页脚占位符 3">
             <a:extLst>
               <a:ext uri="{FF2B5EF4-FFF2-40B4-BE49-F238E27FC236}">
-                <a16:creationId xmlns:a16="http://schemas.microsoft.com/office/drawing/2014/main" id="{AE1B2552-F925-9621-8535-5BD7C656E6ED}"/>
+                <a16:creationId xmlns:a16="http://schemas.microsoft.com/office/drawing/2014/main" id="{E7E7A8A5-8280-61B8-1699-175CB713F0AD}"/>
               </a:ext>
             </a:extLst>
           </p:cNvPr>
@@ -1987,7 +1987,7 @@
           <p:cNvPr id="5" name="灯片编号占位符 4">
             <a:extLst>
               <a:ext uri="{FF2B5EF4-FFF2-40B4-BE49-F238E27FC236}">
-                <a16:creationId xmlns:a16="http://schemas.microsoft.com/office/drawing/2014/main" id="{844A0C1A-586F-E2BA-D1A2-7AFA491F096E}"/>
+                <a16:creationId xmlns:a16="http://schemas.microsoft.com/office/drawing/2014/main" id="{87C43400-C5CB-6D63-C66D-D4A8ADE50E52}"/>
               </a:ext>
             </a:extLst>
           </p:cNvPr>
@@ -2003,7 +2003,7 @@
           <a:bodyPr/>
           <a:lstStyle/>
           <a:p>
-            <a:fld id="{8FAF0E72-1CB2-4B9D-B1CA-EB7B9B072FF0}" type="slidenum">
+            <a:fld id="{ADA29E3F-3476-4AB9-8649-89654AFF351A}" type="slidenum">
               <a:rPr lang="zh-CN" altLang="en-US" smtClean="0"/>
               <a:t>‹#›</a:t>
             </a:fld>
@@ -2014,7 +2014,7 @@
     </p:spTree>
     <p:extLst>
       <p:ext uri="{BB962C8B-B14F-4D97-AF65-F5344CB8AC3E}">
-        <p14:creationId xmlns:p14="http://schemas.microsoft.com/office/powerpoint/2010/main" val="3771767603"/>
+        <p14:creationId xmlns:p14="http://schemas.microsoft.com/office/powerpoint/2010/main" val="1593285889"/>
       </p:ext>
     </p:extLst>
   </p:cSld>
@@ -2046,7 +2046,7 @@
           <p:cNvPr id="2" name="日期占位符 1">
             <a:extLst>
               <a:ext uri="{FF2B5EF4-FFF2-40B4-BE49-F238E27FC236}">
-                <a16:creationId xmlns:a16="http://schemas.microsoft.com/office/drawing/2014/main" id="{593D85FD-CBBA-1DC9-08A7-96BDC2B60865}"/>
+                <a16:creationId xmlns:a16="http://schemas.microsoft.com/office/drawing/2014/main" id="{959F71F7-31CE-24CC-B3CB-57548CA812B7}"/>
               </a:ext>
             </a:extLst>
           </p:cNvPr>
@@ -2062,7 +2062,7 @@
           <a:bodyPr/>
           <a:lstStyle/>
           <a:p>
-            <a:fld id="{DB52AB54-934D-4DDE-95E3-D3D8753B8EE0}" type="datetimeFigureOut">
+            <a:fld id="{1DCFCCAD-D953-4302-9E66-BC503AD3A859}" type="datetimeFigureOut">
               <a:rPr lang="zh-CN" altLang="en-US" smtClean="0"/>
               <a:t>2024/3/10</a:t>
             </a:fld>
@@ -2075,7 +2075,7 @@
           <p:cNvPr id="3" name="页脚占位符 2">
             <a:extLst>
               <a:ext uri="{FF2B5EF4-FFF2-40B4-BE49-F238E27FC236}">
-                <a16:creationId xmlns:a16="http://schemas.microsoft.com/office/drawing/2014/main" id="{D1CDE0BA-BB93-B4EA-A507-E9DA80663F35}"/>
+                <a16:creationId xmlns:a16="http://schemas.microsoft.com/office/drawing/2014/main" id="{DFD28423-5F60-A3AB-5E10-FD9607A30B90}"/>
               </a:ext>
             </a:extLst>
           </p:cNvPr>
@@ -2100,7 +2100,7 @@
           <p:cNvPr id="4" name="灯片编号占位符 3">
             <a:extLst>
               <a:ext uri="{FF2B5EF4-FFF2-40B4-BE49-F238E27FC236}">
-                <a16:creationId xmlns:a16="http://schemas.microsoft.com/office/drawing/2014/main" id="{895D71CD-5D57-B685-AE2E-D6B450776464}"/>
+                <a16:creationId xmlns:a16="http://schemas.microsoft.com/office/drawing/2014/main" id="{2D90DB64-AE2D-A0AF-B21F-3E1E1526E6D1}"/>
               </a:ext>
             </a:extLst>
           </p:cNvPr>
@@ -2116,7 +2116,7 @@
           <a:bodyPr/>
           <a:lstStyle/>
           <a:p>
-            <a:fld id="{8FAF0E72-1CB2-4B9D-B1CA-EB7B9B072FF0}" type="slidenum">
+            <a:fld id="{ADA29E3F-3476-4AB9-8649-89654AFF351A}" type="slidenum">
               <a:rPr lang="zh-CN" altLang="en-US" smtClean="0"/>
               <a:t>‹#›</a:t>
             </a:fld>
@@ -2127,7 +2127,7 @@
     </p:spTree>
     <p:extLst>
       <p:ext uri="{BB962C8B-B14F-4D97-AF65-F5344CB8AC3E}">
-        <p14:creationId xmlns:p14="http://schemas.microsoft.com/office/powerpoint/2010/main" val="72630812"/>
+        <p14:creationId xmlns:p14="http://schemas.microsoft.com/office/powerpoint/2010/main" val="4013413633"/>
       </p:ext>
     </p:extLst>
   </p:cSld>
@@ -2159,7 +2159,7 @@
           <p:cNvPr id="2" name="标题 1">
             <a:extLst>
               <a:ext uri="{FF2B5EF4-FFF2-40B4-BE49-F238E27FC236}">
-                <a16:creationId xmlns:a16="http://schemas.microsoft.com/office/drawing/2014/main" id="{AA2C90DE-556A-07AA-393F-AF29A860B4BC}"/>
+                <a16:creationId xmlns:a16="http://schemas.microsoft.com/office/drawing/2014/main" id="{7132232D-AAE4-9D43-FB26-B34625A9A645}"/>
               </a:ext>
             </a:extLst>
           </p:cNvPr>
@@ -2196,7 +2196,7 @@
           <p:cNvPr id="3" name="内容占位符 2">
             <a:extLst>
               <a:ext uri="{FF2B5EF4-FFF2-40B4-BE49-F238E27FC236}">
-                <a16:creationId xmlns:a16="http://schemas.microsoft.com/office/drawing/2014/main" id="{AECDC807-2D9D-6E40-6399-0ECF30B73CD8}"/>
+                <a16:creationId xmlns:a16="http://schemas.microsoft.com/office/drawing/2014/main" id="{6F1380CA-F846-B849-6865-BAAC859DD2EF}"/>
               </a:ext>
             </a:extLst>
           </p:cNvPr>
@@ -2286,7 +2286,7 @@
           <p:cNvPr id="4" name="文本占位符 3">
             <a:extLst>
               <a:ext uri="{FF2B5EF4-FFF2-40B4-BE49-F238E27FC236}">
-                <a16:creationId xmlns:a16="http://schemas.microsoft.com/office/drawing/2014/main" id="{6EF80C65-8D98-A05E-FA70-67EF37FD20C8}"/>
+                <a16:creationId xmlns:a16="http://schemas.microsoft.com/office/drawing/2014/main" id="{4A3F1267-C0A9-9372-3AA8-5CD4D66EA51F}"/>
               </a:ext>
             </a:extLst>
           </p:cNvPr>
@@ -2357,7 +2357,7 @@
           <p:cNvPr id="5" name="日期占位符 4">
             <a:extLst>
               <a:ext uri="{FF2B5EF4-FFF2-40B4-BE49-F238E27FC236}">
-                <a16:creationId xmlns:a16="http://schemas.microsoft.com/office/drawing/2014/main" id="{5CC638EB-AA0E-73D3-C5B3-3A77BD57C0D3}"/>
+                <a16:creationId xmlns:a16="http://schemas.microsoft.com/office/drawing/2014/main" id="{31A65840-61C7-CC1E-D49E-751838944297}"/>
               </a:ext>
             </a:extLst>
           </p:cNvPr>
@@ -2373,7 +2373,7 @@
           <a:bodyPr/>
           <a:lstStyle/>
           <a:p>
-            <a:fld id="{DB52AB54-934D-4DDE-95E3-D3D8753B8EE0}" type="datetimeFigureOut">
+            <a:fld id="{1DCFCCAD-D953-4302-9E66-BC503AD3A859}" type="datetimeFigureOut">
               <a:rPr lang="zh-CN" altLang="en-US" smtClean="0"/>
               <a:t>2024/3/10</a:t>
             </a:fld>
@@ -2386,7 +2386,7 @@
           <p:cNvPr id="6" name="页脚占位符 5">
             <a:extLst>
               <a:ext uri="{FF2B5EF4-FFF2-40B4-BE49-F238E27FC236}">
-                <a16:creationId xmlns:a16="http://schemas.microsoft.com/office/drawing/2014/main" id="{C04C9396-195F-E782-8A40-4F1F6592B142}"/>
+                <a16:creationId xmlns:a16="http://schemas.microsoft.com/office/drawing/2014/main" id="{1229AEA6-FEFC-661C-51EF-253B895C1B06}"/>
               </a:ext>
             </a:extLst>
           </p:cNvPr>
@@ -2411,7 +2411,7 @@
           <p:cNvPr id="7" name="灯片编号占位符 6">
             <a:extLst>
               <a:ext uri="{FF2B5EF4-FFF2-40B4-BE49-F238E27FC236}">
-                <a16:creationId xmlns:a16="http://schemas.microsoft.com/office/drawing/2014/main" id="{228F92AF-BF4D-75B7-41D5-9CB3D554B9E7}"/>
+                <a16:creationId xmlns:a16="http://schemas.microsoft.com/office/drawing/2014/main" id="{DE148DA1-E4C3-F106-E24D-6450C84BCB18}"/>
               </a:ext>
             </a:extLst>
           </p:cNvPr>
@@ -2427,7 +2427,7 @@
           <a:bodyPr/>
           <a:lstStyle/>
           <a:p>
-            <a:fld id="{8FAF0E72-1CB2-4B9D-B1CA-EB7B9B072FF0}" type="slidenum">
+            <a:fld id="{ADA29E3F-3476-4AB9-8649-89654AFF351A}" type="slidenum">
               <a:rPr lang="zh-CN" altLang="en-US" smtClean="0"/>
               <a:t>‹#›</a:t>
             </a:fld>
@@ -2438,7 +2438,7 @@
     </p:spTree>
     <p:extLst>
       <p:ext uri="{BB962C8B-B14F-4D97-AF65-F5344CB8AC3E}">
-        <p14:creationId xmlns:p14="http://schemas.microsoft.com/office/powerpoint/2010/main" val="3988908504"/>
+        <p14:creationId xmlns:p14="http://schemas.microsoft.com/office/powerpoint/2010/main" val="2148627945"/>
       </p:ext>
     </p:extLst>
   </p:cSld>
@@ -2470,7 +2470,7 @@
           <p:cNvPr id="2" name="标题 1">
             <a:extLst>
               <a:ext uri="{FF2B5EF4-FFF2-40B4-BE49-F238E27FC236}">
-                <a16:creationId xmlns:a16="http://schemas.microsoft.com/office/drawing/2014/main" id="{49B75A36-964C-62DA-5048-C888FC14B562}"/>
+                <a16:creationId xmlns:a16="http://schemas.microsoft.com/office/drawing/2014/main" id="{0332E519-3B0C-CE58-71DD-F3FF3CA516D6}"/>
               </a:ext>
             </a:extLst>
           </p:cNvPr>
@@ -2507,7 +2507,7 @@
           <p:cNvPr id="3" name="图片占位符 2">
             <a:extLst>
               <a:ext uri="{FF2B5EF4-FFF2-40B4-BE49-F238E27FC236}">
-                <a16:creationId xmlns:a16="http://schemas.microsoft.com/office/drawing/2014/main" id="{12BF1A11-A994-B01C-873F-4609F62F1C6A}"/>
+                <a16:creationId xmlns:a16="http://schemas.microsoft.com/office/drawing/2014/main" id="{F0027FAA-1CA9-F8A3-C0BA-41D2DE6E8795}"/>
               </a:ext>
             </a:extLst>
           </p:cNvPr>
@@ -2574,7 +2574,7 @@
           <p:cNvPr id="4" name="文本占位符 3">
             <a:extLst>
               <a:ext uri="{FF2B5EF4-FFF2-40B4-BE49-F238E27FC236}">
-                <a16:creationId xmlns:a16="http://schemas.microsoft.com/office/drawing/2014/main" id="{5D237260-F5DA-B9A6-8950-CCAC5A43AD42}"/>
+                <a16:creationId xmlns:a16="http://schemas.microsoft.com/office/drawing/2014/main" id="{DC688830-1E21-ED1B-95AF-414BA4D78FF3}"/>
               </a:ext>
             </a:extLst>
           </p:cNvPr>
@@ -2645,7 +2645,7 @@
           <p:cNvPr id="5" name="日期占位符 4">
             <a:extLst>
               <a:ext uri="{FF2B5EF4-FFF2-40B4-BE49-F238E27FC236}">
-                <a16:creationId xmlns:a16="http://schemas.microsoft.com/office/drawing/2014/main" id="{F3C75D3E-6B43-7EFE-B986-D0E60C7DF88C}"/>
+                <a16:creationId xmlns:a16="http://schemas.microsoft.com/office/drawing/2014/main" id="{D3C0F797-C881-521F-DDEC-8AFEA4AF24CE}"/>
               </a:ext>
             </a:extLst>
           </p:cNvPr>
@@ -2661,7 +2661,7 @@
           <a:bodyPr/>
           <a:lstStyle/>
           <a:p>
-            <a:fld id="{DB52AB54-934D-4DDE-95E3-D3D8753B8EE0}" type="datetimeFigureOut">
+            <a:fld id="{1DCFCCAD-D953-4302-9E66-BC503AD3A859}" type="datetimeFigureOut">
               <a:rPr lang="zh-CN" altLang="en-US" smtClean="0"/>
               <a:t>2024/3/10</a:t>
             </a:fld>
@@ -2674,7 +2674,7 @@
           <p:cNvPr id="6" name="页脚占位符 5">
             <a:extLst>
               <a:ext uri="{FF2B5EF4-FFF2-40B4-BE49-F238E27FC236}">
-                <a16:creationId xmlns:a16="http://schemas.microsoft.com/office/drawing/2014/main" id="{954D6360-67BE-592D-7284-6F4C65248008}"/>
+                <a16:creationId xmlns:a16="http://schemas.microsoft.com/office/drawing/2014/main" id="{D669ED2B-2002-F844-5876-4B4359AC35E5}"/>
               </a:ext>
             </a:extLst>
           </p:cNvPr>
@@ -2699,7 +2699,7 @@
           <p:cNvPr id="7" name="灯片编号占位符 6">
             <a:extLst>
               <a:ext uri="{FF2B5EF4-FFF2-40B4-BE49-F238E27FC236}">
-                <a16:creationId xmlns:a16="http://schemas.microsoft.com/office/drawing/2014/main" id="{259414ED-40DE-B5C6-B5C6-1ECEB976962D}"/>
+                <a16:creationId xmlns:a16="http://schemas.microsoft.com/office/drawing/2014/main" id="{A7AE4586-4EE9-DA1A-A9D3-5DB452A99A80}"/>
               </a:ext>
             </a:extLst>
           </p:cNvPr>
@@ -2715,7 +2715,7 @@
           <a:bodyPr/>
           <a:lstStyle/>
           <a:p>
-            <a:fld id="{8FAF0E72-1CB2-4B9D-B1CA-EB7B9B072FF0}" type="slidenum">
+            <a:fld id="{ADA29E3F-3476-4AB9-8649-89654AFF351A}" type="slidenum">
               <a:rPr lang="zh-CN" altLang="en-US" smtClean="0"/>
               <a:t>‹#›</a:t>
             </a:fld>
@@ -2726,7 +2726,7 @@
     </p:spTree>
     <p:extLst>
       <p:ext uri="{BB962C8B-B14F-4D97-AF65-F5344CB8AC3E}">
-        <p14:creationId xmlns:p14="http://schemas.microsoft.com/office/powerpoint/2010/main" val="1837191684"/>
+        <p14:creationId xmlns:p14="http://schemas.microsoft.com/office/powerpoint/2010/main" val="2655511038"/>
       </p:ext>
     </p:extLst>
   </p:cSld>
@@ -2763,7 +2763,7 @@
           <p:cNvPr id="2" name="标题占位符 1">
             <a:extLst>
               <a:ext uri="{FF2B5EF4-FFF2-40B4-BE49-F238E27FC236}">
-                <a16:creationId xmlns:a16="http://schemas.microsoft.com/office/drawing/2014/main" id="{8E725207-5B72-2F43-F3CD-8F31CE937E67}"/>
+                <a16:creationId xmlns:a16="http://schemas.microsoft.com/office/drawing/2014/main" id="{D5DB107F-77B3-679E-208B-77114C6F30AA}"/>
               </a:ext>
             </a:extLst>
           </p:cNvPr>
@@ -2801,7 +2801,7 @@
           <p:cNvPr id="3" name="文本占位符 2">
             <a:extLst>
               <a:ext uri="{FF2B5EF4-FFF2-40B4-BE49-F238E27FC236}">
-                <a16:creationId xmlns:a16="http://schemas.microsoft.com/office/drawing/2014/main" id="{2278E43E-2EF5-62CF-1558-0E400BCAAC34}"/>
+                <a16:creationId xmlns:a16="http://schemas.microsoft.com/office/drawing/2014/main" id="{E033CB02-EC9A-8A00-78EC-044D13EB55ED}"/>
               </a:ext>
             </a:extLst>
           </p:cNvPr>
@@ -2868,7 +2868,7 @@
           <p:cNvPr id="4" name="日期占位符 3">
             <a:extLst>
               <a:ext uri="{FF2B5EF4-FFF2-40B4-BE49-F238E27FC236}">
-                <a16:creationId xmlns:a16="http://schemas.microsoft.com/office/drawing/2014/main" id="{7D05D408-2ED5-5A21-726B-8D654986B880}"/>
+                <a16:creationId xmlns:a16="http://schemas.microsoft.com/office/drawing/2014/main" id="{6AE9F064-11E2-506B-1878-83F058EA7564}"/>
               </a:ext>
             </a:extLst>
           </p:cNvPr>
@@ -2902,7 +2902,7 @@
             </a:lvl1pPr>
           </a:lstStyle>
           <a:p>
-            <a:fld id="{DB52AB54-934D-4DDE-95E3-D3D8753B8EE0}" type="datetimeFigureOut">
+            <a:fld id="{1DCFCCAD-D953-4302-9E66-BC503AD3A859}" type="datetimeFigureOut">
               <a:rPr lang="zh-CN" altLang="en-US" smtClean="0"/>
               <a:t>2024/3/10</a:t>
             </a:fld>
@@ -2915,7 +2915,7 @@
           <p:cNvPr id="5" name="页脚占位符 4">
             <a:extLst>
               <a:ext uri="{FF2B5EF4-FFF2-40B4-BE49-F238E27FC236}">
-                <a16:creationId xmlns:a16="http://schemas.microsoft.com/office/drawing/2014/main" id="{98267A1F-3057-9B89-0D38-7C55AD679850}"/>
+                <a16:creationId xmlns:a16="http://schemas.microsoft.com/office/drawing/2014/main" id="{5C81875C-CAA4-95A3-342D-37282EF06769}"/>
               </a:ext>
             </a:extLst>
           </p:cNvPr>
@@ -2958,7 +2958,7 @@
           <p:cNvPr id="6" name="灯片编号占位符 5">
             <a:extLst>
               <a:ext uri="{FF2B5EF4-FFF2-40B4-BE49-F238E27FC236}">
-                <a16:creationId xmlns:a16="http://schemas.microsoft.com/office/drawing/2014/main" id="{15A95662-2B4D-5364-1AEC-F059B4E300B3}"/>
+                <a16:creationId xmlns:a16="http://schemas.microsoft.com/office/drawing/2014/main" id="{9BB254B1-C338-35F2-45DE-C9D6EE3CFFF9}"/>
               </a:ext>
             </a:extLst>
           </p:cNvPr>
@@ -2992,7 +2992,7 @@
             </a:lvl1pPr>
           </a:lstStyle>
           <a:p>
-            <a:fld id="{8FAF0E72-1CB2-4B9D-B1CA-EB7B9B072FF0}" type="slidenum">
+            <a:fld id="{ADA29E3F-3476-4AB9-8649-89654AFF351A}" type="slidenum">
               <a:rPr lang="zh-CN" altLang="en-US" smtClean="0"/>
               <a:t>‹#›</a:t>
             </a:fld>
@@ -3003,7 +3003,7 @@
     </p:spTree>
     <p:extLst>
       <p:ext uri="{BB962C8B-B14F-4D97-AF65-F5344CB8AC3E}">
-        <p14:creationId xmlns:p14="http://schemas.microsoft.com/office/powerpoint/2010/main" val="1475890447"/>
+        <p14:creationId xmlns:p14="http://schemas.microsoft.com/office/powerpoint/2010/main" val="2922411996"/>
       </p:ext>
     </p:extLst>
   </p:cSld>
